--- a/ppt/EZJava-Session1-计算机与编程漫谈.pptx
+++ b/ppt/EZJava-Session1-计算机与编程漫谈.pptx
@@ -209,7 +209,7 @@
           <a:p>
             <a:fld id="{A0B9C4D9-3F56-45D9-BE64-22A7FA6CC819}" type="datetimeFigureOut">
               <a:rPr lang="zh-CN" altLang="en-US" smtClean="0"/>
-              <a:t>2018/3/21</a:t>
+              <a:t>2018/3/24</a:t>
             </a:fld>
             <a:endParaRPr lang="zh-CN" altLang="en-US"/>
           </a:p>
@@ -1312,7 +1312,7 @@
           <a:p>
             <a:fld id="{F8E29F3C-B6E5-4CDA-984A-C8EDCA046912}" type="datetimeFigureOut">
               <a:rPr lang="zh-CN" altLang="en-US" smtClean="0"/>
-              <a:t>2018/3/21</a:t>
+              <a:t>2018/3/24</a:t>
             </a:fld>
             <a:endParaRPr lang="zh-CN" altLang="en-US"/>
           </a:p>
@@ -1482,7 +1482,7 @@
           <a:p>
             <a:fld id="{F8E29F3C-B6E5-4CDA-984A-C8EDCA046912}" type="datetimeFigureOut">
               <a:rPr lang="zh-CN" altLang="en-US" smtClean="0"/>
-              <a:t>2018/3/21</a:t>
+              <a:t>2018/3/24</a:t>
             </a:fld>
             <a:endParaRPr lang="zh-CN" altLang="en-US"/>
           </a:p>
@@ -1662,7 +1662,7 @@
           <a:p>
             <a:fld id="{F8E29F3C-B6E5-4CDA-984A-C8EDCA046912}" type="datetimeFigureOut">
               <a:rPr lang="zh-CN" altLang="en-US" smtClean="0"/>
-              <a:t>2018/3/21</a:t>
+              <a:t>2018/3/24</a:t>
             </a:fld>
             <a:endParaRPr lang="zh-CN" altLang="en-US"/>
           </a:p>
@@ -1832,7 +1832,7 @@
           <a:p>
             <a:fld id="{F8E29F3C-B6E5-4CDA-984A-C8EDCA046912}" type="datetimeFigureOut">
               <a:rPr lang="zh-CN" altLang="en-US" smtClean="0"/>
-              <a:t>2018/3/21</a:t>
+              <a:t>2018/3/24</a:t>
             </a:fld>
             <a:endParaRPr lang="zh-CN" altLang="en-US"/>
           </a:p>
@@ -2078,7 +2078,7 @@
           <a:p>
             <a:fld id="{F8E29F3C-B6E5-4CDA-984A-C8EDCA046912}" type="datetimeFigureOut">
               <a:rPr lang="zh-CN" altLang="en-US" smtClean="0"/>
-              <a:t>2018/3/21</a:t>
+              <a:t>2018/3/24</a:t>
             </a:fld>
             <a:endParaRPr lang="zh-CN" altLang="en-US"/>
           </a:p>
@@ -2310,7 +2310,7 @@
           <a:p>
             <a:fld id="{F8E29F3C-B6E5-4CDA-984A-C8EDCA046912}" type="datetimeFigureOut">
               <a:rPr lang="zh-CN" altLang="en-US" smtClean="0"/>
-              <a:t>2018/3/21</a:t>
+              <a:t>2018/3/24</a:t>
             </a:fld>
             <a:endParaRPr lang="zh-CN" altLang="en-US"/>
           </a:p>
@@ -2677,7 +2677,7 @@
           <a:p>
             <a:fld id="{F8E29F3C-B6E5-4CDA-984A-C8EDCA046912}" type="datetimeFigureOut">
               <a:rPr lang="zh-CN" altLang="en-US" smtClean="0"/>
-              <a:t>2018/3/21</a:t>
+              <a:t>2018/3/24</a:t>
             </a:fld>
             <a:endParaRPr lang="zh-CN" altLang="en-US"/>
           </a:p>
@@ -2795,7 +2795,7 @@
           <a:p>
             <a:fld id="{F8E29F3C-B6E5-4CDA-984A-C8EDCA046912}" type="datetimeFigureOut">
               <a:rPr lang="zh-CN" altLang="en-US" smtClean="0"/>
-              <a:t>2018/3/21</a:t>
+              <a:t>2018/3/24</a:t>
             </a:fld>
             <a:endParaRPr lang="zh-CN" altLang="en-US"/>
           </a:p>
@@ -2890,7 +2890,7 @@
           <a:p>
             <a:fld id="{F8E29F3C-B6E5-4CDA-984A-C8EDCA046912}" type="datetimeFigureOut">
               <a:rPr lang="zh-CN" altLang="en-US" smtClean="0"/>
-              <a:t>2018/3/21</a:t>
+              <a:t>2018/3/24</a:t>
             </a:fld>
             <a:endParaRPr lang="zh-CN" altLang="en-US"/>
           </a:p>
@@ -3167,7 +3167,7 @@
           <a:p>
             <a:fld id="{F8E29F3C-B6E5-4CDA-984A-C8EDCA046912}" type="datetimeFigureOut">
               <a:rPr lang="zh-CN" altLang="en-US" smtClean="0"/>
-              <a:t>2018/3/21</a:t>
+              <a:t>2018/3/24</a:t>
             </a:fld>
             <a:endParaRPr lang="zh-CN" altLang="en-US"/>
           </a:p>
@@ -3420,7 +3420,7 @@
           <a:p>
             <a:fld id="{F8E29F3C-B6E5-4CDA-984A-C8EDCA046912}" type="datetimeFigureOut">
               <a:rPr lang="zh-CN" altLang="en-US" smtClean="0"/>
-              <a:t>2018/3/21</a:t>
+              <a:t>2018/3/24</a:t>
             </a:fld>
             <a:endParaRPr lang="zh-CN" altLang="en-US"/>
           </a:p>
@@ -3636,7 +3636,7 @@
           <a:p>
             <a:fld id="{F8E29F3C-B6E5-4CDA-984A-C8EDCA046912}" type="datetimeFigureOut">
               <a:rPr lang="zh-CN" altLang="en-US" smtClean="0"/>
-              <a:t>2018/3/21</a:t>
+              <a:t>2018/3/24</a:t>
             </a:fld>
             <a:endParaRPr lang="zh-CN" altLang="en-US"/>
           </a:p>
@@ -4367,11 +4367,7 @@
             </a:pPr>
             <a:r>
               <a:rPr lang="en-US" altLang="zh-CN" sz="2800" dirty="0" smtClean="0"/>
-              <a:t>2</a:t>
-            </a:r>
-            <a:r>
-              <a:rPr lang="en-US" altLang="zh-CN" sz="2800" dirty="0" smtClean="0"/>
-              <a:t>.</a:t>
+              <a:t>2.</a:t>
             </a:r>
             <a:r>
               <a:rPr lang="zh-CN" altLang="en-US" sz="2800" dirty="0" smtClean="0"/>
@@ -4514,11 +4510,7 @@
             </a:r>
             <a:r>
               <a:rPr lang="zh-CN" altLang="en-US" dirty="0" smtClean="0"/>
-              <a:t>漫谈</a:t>
-            </a:r>
-            <a:r>
-              <a:rPr lang="zh-CN" altLang="en-US" dirty="0" smtClean="0"/>
-              <a:t>：编程有啥用？</a:t>
+              <a:t>漫谈：编程有啥用？</a:t>
             </a:r>
             <a:endParaRPr lang="en-US" altLang="zh-CN" dirty="0"/>
           </a:p>
@@ -4772,11 +4764,7 @@
             </a:r>
             <a:r>
               <a:rPr lang="zh-CN" altLang="en-US" dirty="0" smtClean="0"/>
-              <a:t>漫谈</a:t>
-            </a:r>
-            <a:r>
-              <a:rPr lang="zh-CN" altLang="en-US" dirty="0" smtClean="0"/>
-              <a:t>：编程有啥用？</a:t>
+              <a:t>漫谈：编程有啥用？</a:t>
             </a:r>
             <a:endParaRPr lang="en-US" altLang="zh-CN" dirty="0"/>
           </a:p>
@@ -6709,27 +6697,7 @@
           <a:p>
             <a:r>
               <a:rPr lang="zh-CN" altLang="en-US" dirty="0" smtClean="0"/>
-              <a:t>个小</a:t>
-            </a:r>
-            <a:r>
-              <a:rPr lang="zh-CN" altLang="en-US" dirty="0" smtClean="0"/>
-              <a:t>灯泡（物理硬件），</a:t>
-            </a:r>
-            <a:r>
-              <a:rPr lang="zh-CN" altLang="en-US" dirty="0" smtClean="0"/>
-              <a:t>不断的在亮与暗之间</a:t>
-            </a:r>
-            <a:r>
-              <a:rPr lang="zh-CN" altLang="en-US" dirty="0" smtClean="0"/>
-              <a:t>变化</a:t>
-            </a:r>
-            <a:r>
-              <a:rPr lang="zh-CN" altLang="en-US" dirty="0" smtClean="0"/>
-              <a:t>。</a:t>
-            </a:r>
-            <a:r>
-              <a:rPr lang="zh-CN" altLang="en-US" dirty="0" smtClean="0"/>
-              <a:t>我</a:t>
+              <a:t>个小灯泡（物理硬件），不断的在亮与暗之间变化。我</a:t>
             </a:r>
             <a:endParaRPr lang="en-US" altLang="zh-CN" dirty="0" smtClean="0"/>
           </a:p>
@@ -6760,11 +6728,7 @@
             </a:r>
             <a:r>
               <a:rPr lang="zh-CN" altLang="en-US" dirty="0" smtClean="0"/>
-              <a:t>小</a:t>
-            </a:r>
-            <a:r>
-              <a:rPr lang="zh-CN" altLang="en-US" dirty="0" smtClean="0"/>
-              <a:t>灯泡的</a:t>
+              <a:t>小灯泡的</a:t>
             </a:r>
             <a:r>
               <a:rPr lang="zh-CN" altLang="en-US" dirty="0"/>
@@ -6772,11 +6736,7 @@
             </a:r>
             <a:r>
               <a:rPr lang="zh-CN" altLang="en-US" dirty="0" smtClean="0"/>
-              <a:t>状态</a:t>
-            </a:r>
-            <a:r>
-              <a:rPr lang="zh-CN" altLang="en-US" dirty="0" smtClean="0"/>
-              <a:t>，计算机</a:t>
+              <a:t>状态，计算机</a:t>
             </a:r>
             <a:endParaRPr lang="en-US" altLang="zh-CN" dirty="0" smtClean="0"/>
           </a:p>
@@ -6797,11 +6757,7 @@
           <a:p>
             <a:r>
               <a:rPr lang="zh-CN" altLang="en-US" dirty="0" smtClean="0"/>
-              <a:t>如果说物理硬件是计算机的肉体的话，那么</a:t>
-            </a:r>
-            <a:r>
-              <a:rPr lang="zh-CN" altLang="en-US" dirty="0" smtClean="0"/>
-              <a:t>这些</a:t>
+              <a:t>如果说物理硬件是计算机的肉体的话，那么这些</a:t>
             </a:r>
             <a:r>
               <a:rPr lang="en-US" altLang="zh-CN" dirty="0" smtClean="0"/>
@@ -7491,11 +7447,7 @@
             </a:r>
             <a:r>
               <a:rPr lang="zh-CN" altLang="en-US" dirty="0" smtClean="0"/>
-              <a:t>漫谈：什么</a:t>
-            </a:r>
-            <a:r>
-              <a:rPr lang="zh-CN" altLang="en-US" dirty="0" smtClean="0"/>
-              <a:t>是编程？</a:t>
+              <a:t>漫谈：什么是编程？</a:t>
             </a:r>
             <a:endParaRPr lang="en-US" altLang="zh-CN" dirty="0"/>
           </a:p>
@@ -7629,11 +7581,7 @@
             </a:r>
             <a:r>
               <a:rPr lang="zh-CN" altLang="en-US" dirty="0" smtClean="0"/>
-              <a:t>漫谈：什么</a:t>
-            </a:r>
-            <a:r>
-              <a:rPr lang="zh-CN" altLang="en-US" dirty="0" smtClean="0"/>
-              <a:t>是编程？</a:t>
+              <a:t>漫谈：什么是编程？</a:t>
             </a:r>
             <a:endParaRPr lang="en-US" altLang="zh-CN" dirty="0"/>
           </a:p>
@@ -7641,14 +7589,14 @@
       </p:sp>
       <p:pic>
         <p:nvPicPr>
-          <p:cNvPr id="10" name="图片 9"/>
+          <p:cNvPr id="20" name="图片 19"/>
           <p:cNvPicPr>
             <a:picLocks noChangeAspect="1"/>
           </p:cNvPicPr>
           <p:nvPr/>
         </p:nvPicPr>
         <p:blipFill>
-          <a:blip r:embed="rId3" cstate="print">
+          <a:blip r:embed="rId3">
             <a:extLst>
               <a:ext uri="{28A0092B-C50C-407E-A947-70E740481C1C}">
                 <a14:useLocalDpi xmlns:a14="http://schemas.microsoft.com/office/drawing/2010/main" val="0"/>
@@ -7661,8 +7609,8 @@
         </p:blipFill>
         <p:spPr>
           <a:xfrm>
-            <a:off x="4609937" y="1060872"/>
-            <a:ext cx="6920730" cy="3857104"/>
+            <a:off x="449186" y="1060872"/>
+            <a:ext cx="3620748" cy="2299016"/>
           </a:xfrm>
           <a:prstGeom prst="rect">
             <a:avLst/>
@@ -7671,14 +7619,14 @@
       </p:pic>
       <p:pic>
         <p:nvPicPr>
-          <p:cNvPr id="20" name="图片 19"/>
+          <p:cNvPr id="21" name="图片 20"/>
           <p:cNvPicPr>
             <a:picLocks noChangeAspect="1"/>
           </p:cNvPicPr>
           <p:nvPr/>
         </p:nvPicPr>
         <p:blipFill>
-          <a:blip r:embed="rId4">
+          <a:blip r:embed="rId4" cstate="print">
             <a:extLst>
               <a:ext uri="{28A0092B-C50C-407E-A947-70E740481C1C}">
                 <a14:useLocalDpi xmlns:a14="http://schemas.microsoft.com/office/drawing/2010/main" val="0"/>
@@ -7691,17 +7639,51 @@
         </p:blipFill>
         <p:spPr>
           <a:xfrm>
-            <a:off x="449186" y="1060872"/>
-            <a:ext cx="3620748" cy="2299016"/>
+            <a:off x="449186" y="3574352"/>
+            <a:ext cx="3615902" cy="2411778"/>
           </a:xfrm>
           <a:prstGeom prst="rect">
             <a:avLst/>
           </a:prstGeom>
         </p:spPr>
       </p:pic>
+      <p:sp>
+        <p:nvSpPr>
+          <p:cNvPr id="11" name="文本框 10"/>
+          <p:cNvSpPr txBox="1"/>
+          <p:nvPr/>
+        </p:nvSpPr>
+        <p:spPr>
+          <a:xfrm>
+            <a:off x="6711596" y="5221369"/>
+            <a:ext cx="2717411" cy="523220"/>
+          </a:xfrm>
+          <a:prstGeom prst="rect">
+            <a:avLst/>
+          </a:prstGeom>
+          <a:noFill/>
+        </p:spPr>
+        <p:txBody>
+          <a:bodyPr wrap="none" rtlCol="0">
+            <a:spAutoFit/>
+          </a:bodyPr>
+          <a:lstStyle/>
+          <a:p>
+            <a:r>
+              <a:rPr lang="en-US" altLang="zh-CN" sz="2800" dirty="0" smtClean="0"/>
+              <a:t>01</a:t>
+            </a:r>
+            <a:r>
+              <a:rPr lang="zh-CN" altLang="en-US" sz="2800" dirty="0" smtClean="0"/>
+              <a:t>输入被隐藏了</a:t>
+            </a:r>
+            <a:endParaRPr lang="zh-CN" altLang="en-US" sz="2800" dirty="0"/>
+          </a:p>
+        </p:txBody>
+      </p:sp>
       <p:pic>
         <p:nvPicPr>
-          <p:cNvPr id="21" name="图片 20"/>
+          <p:cNvPr id="3" name="图片 2"/>
           <p:cNvPicPr>
             <a:picLocks noChangeAspect="1"/>
           </p:cNvPicPr>
@@ -7721,48 +7703,14 @@
         </p:blipFill>
         <p:spPr>
           <a:xfrm>
-            <a:off x="449186" y="3574352"/>
-            <a:ext cx="3615902" cy="2411778"/>
+            <a:off x="4667303" y="630315"/>
+            <a:ext cx="6805996" cy="4386413"/>
           </a:xfrm>
           <a:prstGeom prst="rect">
             <a:avLst/>
           </a:prstGeom>
         </p:spPr>
       </p:pic>
-      <p:sp>
-        <p:nvSpPr>
-          <p:cNvPr id="11" name="文本框 10"/>
-          <p:cNvSpPr txBox="1"/>
-          <p:nvPr/>
-        </p:nvSpPr>
-        <p:spPr>
-          <a:xfrm>
-            <a:off x="6711596" y="5221369"/>
-            <a:ext cx="2717411" cy="523220"/>
-          </a:xfrm>
-          <a:prstGeom prst="rect">
-            <a:avLst/>
-          </a:prstGeom>
-          <a:noFill/>
-        </p:spPr>
-        <p:txBody>
-          <a:bodyPr wrap="none" rtlCol="0">
-            <a:spAutoFit/>
-          </a:bodyPr>
-          <a:lstStyle/>
-          <a:p>
-            <a:r>
-              <a:rPr lang="en-US" altLang="zh-CN" sz="2800" dirty="0" smtClean="0"/>
-              <a:t>01</a:t>
-            </a:r>
-            <a:r>
-              <a:rPr lang="zh-CN" altLang="en-US" sz="2800" dirty="0" smtClean="0"/>
-              <a:t>输入被隐藏了</a:t>
-            </a:r>
-            <a:endParaRPr lang="zh-CN" altLang="en-US" sz="2800" dirty="0"/>
-          </a:p>
-        </p:txBody>
-      </p:sp>
     </p:spTree>
     <p:extLst>
       <p:ext uri="{BB962C8B-B14F-4D97-AF65-F5344CB8AC3E}">
@@ -7835,11 +7783,7 @@
             </a:r>
             <a:r>
               <a:rPr lang="zh-CN" altLang="en-US" dirty="0" smtClean="0"/>
-              <a:t>漫谈：什么</a:t>
-            </a:r>
-            <a:r>
-              <a:rPr lang="zh-CN" altLang="en-US" dirty="0" smtClean="0"/>
-              <a:t>是编程？</a:t>
+              <a:t>漫谈：什么是编程？</a:t>
             </a:r>
             <a:endParaRPr lang="en-US" altLang="zh-CN" dirty="0"/>
           </a:p>
@@ -7901,6 +7845,36 @@
           </a:p>
         </p:txBody>
       </p:sp>
+      <p:pic>
+        <p:nvPicPr>
+          <p:cNvPr id="3" name="图片 2"/>
+          <p:cNvPicPr>
+            <a:picLocks noChangeAspect="1"/>
+          </p:cNvPicPr>
+          <p:nvPr/>
+        </p:nvPicPr>
+        <p:blipFill>
+          <a:blip r:embed="rId2" cstate="print">
+            <a:extLst>
+              <a:ext uri="{28A0092B-C50C-407E-A947-70E740481C1C}">
+                <a14:useLocalDpi xmlns:a14="http://schemas.microsoft.com/office/drawing/2010/main" val="0"/>
+              </a:ext>
+            </a:extLst>
+          </a:blip>
+          <a:stretch>
+            <a:fillRect/>
+          </a:stretch>
+        </p:blipFill>
+        <p:spPr>
+          <a:xfrm>
+            <a:off x="133518" y="1262917"/>
+            <a:ext cx="12058482" cy="5004718"/>
+          </a:xfrm>
+          <a:prstGeom prst="rect">
+            <a:avLst/>
+          </a:prstGeom>
+        </p:spPr>
+      </p:pic>
     </p:spTree>
     <p:extLst>
       <p:ext uri="{BB962C8B-B14F-4D97-AF65-F5344CB8AC3E}">
@@ -7973,11 +7947,7 @@
             </a:r>
             <a:r>
               <a:rPr lang="zh-CN" altLang="en-US" dirty="0" smtClean="0"/>
-              <a:t>漫谈：什么</a:t>
-            </a:r>
-            <a:r>
-              <a:rPr lang="zh-CN" altLang="en-US" dirty="0" smtClean="0"/>
-              <a:t>是编程？</a:t>
+              <a:t>漫谈：什么是编程？</a:t>
             </a:r>
             <a:endParaRPr lang="en-US" altLang="zh-CN" dirty="0"/>
           </a:p>
@@ -8066,7 +8036,7 @@
             </a:r>
             <a:r>
               <a:rPr lang="zh-CN" altLang="en-US" sz="3600" dirty="0" smtClean="0"/>
-              <a:t>为了</a:t>
+              <a:t>定义：为了</a:t>
             </a:r>
             <a:r>
               <a:rPr lang="zh-CN" altLang="en-US" sz="3600" dirty="0"/>

--- a/ppt/EZJava-Session1-计算机与编程漫谈.pptx
+++ b/ppt/EZJava-Session1-计算机与编程漫谈.pptx
@@ -209,7 +209,7 @@
           <a:p>
             <a:fld id="{A0B9C4D9-3F56-45D9-BE64-22A7FA6CC819}" type="datetimeFigureOut">
               <a:rPr lang="zh-CN" altLang="en-US" smtClean="0"/>
-              <a:t>2018/3/24</a:t>
+              <a:t>2018/3/25</a:t>
             </a:fld>
             <a:endParaRPr lang="zh-CN" altLang="en-US"/>
           </a:p>
@@ -1312,7 +1312,7 @@
           <a:p>
             <a:fld id="{F8E29F3C-B6E5-4CDA-984A-C8EDCA046912}" type="datetimeFigureOut">
               <a:rPr lang="zh-CN" altLang="en-US" smtClean="0"/>
-              <a:t>2018/3/24</a:t>
+              <a:t>2018/3/25</a:t>
             </a:fld>
             <a:endParaRPr lang="zh-CN" altLang="en-US"/>
           </a:p>
@@ -1482,7 +1482,7 @@
           <a:p>
             <a:fld id="{F8E29F3C-B6E5-4CDA-984A-C8EDCA046912}" type="datetimeFigureOut">
               <a:rPr lang="zh-CN" altLang="en-US" smtClean="0"/>
-              <a:t>2018/3/24</a:t>
+              <a:t>2018/3/25</a:t>
             </a:fld>
             <a:endParaRPr lang="zh-CN" altLang="en-US"/>
           </a:p>
@@ -1662,7 +1662,7 @@
           <a:p>
             <a:fld id="{F8E29F3C-B6E5-4CDA-984A-C8EDCA046912}" type="datetimeFigureOut">
               <a:rPr lang="zh-CN" altLang="en-US" smtClean="0"/>
-              <a:t>2018/3/24</a:t>
+              <a:t>2018/3/25</a:t>
             </a:fld>
             <a:endParaRPr lang="zh-CN" altLang="en-US"/>
           </a:p>
@@ -1832,7 +1832,7 @@
           <a:p>
             <a:fld id="{F8E29F3C-B6E5-4CDA-984A-C8EDCA046912}" type="datetimeFigureOut">
               <a:rPr lang="zh-CN" altLang="en-US" smtClean="0"/>
-              <a:t>2018/3/24</a:t>
+              <a:t>2018/3/25</a:t>
             </a:fld>
             <a:endParaRPr lang="zh-CN" altLang="en-US"/>
           </a:p>
@@ -2078,7 +2078,7 @@
           <a:p>
             <a:fld id="{F8E29F3C-B6E5-4CDA-984A-C8EDCA046912}" type="datetimeFigureOut">
               <a:rPr lang="zh-CN" altLang="en-US" smtClean="0"/>
-              <a:t>2018/3/24</a:t>
+              <a:t>2018/3/25</a:t>
             </a:fld>
             <a:endParaRPr lang="zh-CN" altLang="en-US"/>
           </a:p>
@@ -2310,7 +2310,7 @@
           <a:p>
             <a:fld id="{F8E29F3C-B6E5-4CDA-984A-C8EDCA046912}" type="datetimeFigureOut">
               <a:rPr lang="zh-CN" altLang="en-US" smtClean="0"/>
-              <a:t>2018/3/24</a:t>
+              <a:t>2018/3/25</a:t>
             </a:fld>
             <a:endParaRPr lang="zh-CN" altLang="en-US"/>
           </a:p>
@@ -2677,7 +2677,7 @@
           <a:p>
             <a:fld id="{F8E29F3C-B6E5-4CDA-984A-C8EDCA046912}" type="datetimeFigureOut">
               <a:rPr lang="zh-CN" altLang="en-US" smtClean="0"/>
-              <a:t>2018/3/24</a:t>
+              <a:t>2018/3/25</a:t>
             </a:fld>
             <a:endParaRPr lang="zh-CN" altLang="en-US"/>
           </a:p>
@@ -2795,7 +2795,7 @@
           <a:p>
             <a:fld id="{F8E29F3C-B6E5-4CDA-984A-C8EDCA046912}" type="datetimeFigureOut">
               <a:rPr lang="zh-CN" altLang="en-US" smtClean="0"/>
-              <a:t>2018/3/24</a:t>
+              <a:t>2018/3/25</a:t>
             </a:fld>
             <a:endParaRPr lang="zh-CN" altLang="en-US"/>
           </a:p>
@@ -2890,7 +2890,7 @@
           <a:p>
             <a:fld id="{F8E29F3C-B6E5-4CDA-984A-C8EDCA046912}" type="datetimeFigureOut">
               <a:rPr lang="zh-CN" altLang="en-US" smtClean="0"/>
-              <a:t>2018/3/24</a:t>
+              <a:t>2018/3/25</a:t>
             </a:fld>
             <a:endParaRPr lang="zh-CN" altLang="en-US"/>
           </a:p>
@@ -3167,7 +3167,7 @@
           <a:p>
             <a:fld id="{F8E29F3C-B6E5-4CDA-984A-C8EDCA046912}" type="datetimeFigureOut">
               <a:rPr lang="zh-CN" altLang="en-US" smtClean="0"/>
-              <a:t>2018/3/24</a:t>
+              <a:t>2018/3/25</a:t>
             </a:fld>
             <a:endParaRPr lang="zh-CN" altLang="en-US"/>
           </a:p>
@@ -3420,7 +3420,7 @@
           <a:p>
             <a:fld id="{F8E29F3C-B6E5-4CDA-984A-C8EDCA046912}" type="datetimeFigureOut">
               <a:rPr lang="zh-CN" altLang="en-US" smtClean="0"/>
-              <a:t>2018/3/24</a:t>
+              <a:t>2018/3/25</a:t>
             </a:fld>
             <a:endParaRPr lang="zh-CN" altLang="en-US"/>
           </a:p>
@@ -3636,7 +3636,7 @@
           <a:p>
             <a:fld id="{F8E29F3C-B6E5-4CDA-984A-C8EDCA046912}" type="datetimeFigureOut">
               <a:rPr lang="zh-CN" altLang="en-US" smtClean="0"/>
-              <a:t>2018/3/24</a:t>
+              <a:t>2018/3/25</a:t>
             </a:fld>
             <a:endParaRPr lang="zh-CN" altLang="en-US"/>
           </a:p>
@@ -4318,7 +4318,7 @@
         </p:nvSpPr>
         <p:spPr>
           <a:xfrm>
-            <a:off x="6502277" y="2612861"/>
+            <a:off x="6621244" y="2248876"/>
             <a:ext cx="5570756" cy="2031325"/>
           </a:xfrm>
           <a:prstGeom prst="rect">
@@ -7655,7 +7655,7 @@
         </p:nvSpPr>
         <p:spPr>
           <a:xfrm>
-            <a:off x="6711596" y="5221369"/>
+            <a:off x="6791495" y="5470905"/>
             <a:ext cx="2717411" cy="523220"/>
           </a:xfrm>
           <a:prstGeom prst="rect">
@@ -7683,14 +7683,14 @@
       </p:sp>
       <p:pic>
         <p:nvPicPr>
-          <p:cNvPr id="3" name="图片 2"/>
+          <p:cNvPr id="4" name="图片 3"/>
           <p:cNvPicPr>
             <a:picLocks noChangeAspect="1"/>
           </p:cNvPicPr>
           <p:nvPr/>
         </p:nvPicPr>
         <p:blipFill>
-          <a:blip r:embed="rId5" cstate="print">
+          <a:blip r:embed="rId5">
             <a:extLst>
               <a:ext uri="{28A0092B-C50C-407E-A947-70E740481C1C}">
                 <a14:useLocalDpi xmlns:a14="http://schemas.microsoft.com/office/drawing/2010/main" val="0"/>
@@ -7703,8 +7703,8 @@
         </p:blipFill>
         <p:spPr>
           <a:xfrm>
-            <a:off x="4667303" y="630315"/>
-            <a:ext cx="6805996" cy="4386413"/>
+            <a:off x="4497269" y="495869"/>
+            <a:ext cx="7567484" cy="4907181"/>
           </a:xfrm>
           <a:prstGeom prst="rect">
             <a:avLst/>
@@ -7847,14 +7847,14 @@
       </p:sp>
       <p:pic>
         <p:nvPicPr>
-          <p:cNvPr id="3" name="图片 2"/>
+          <p:cNvPr id="2" name="图片 1"/>
           <p:cNvPicPr>
             <a:picLocks noChangeAspect="1"/>
           </p:cNvPicPr>
           <p:nvPr/>
         </p:nvPicPr>
         <p:blipFill>
-          <a:blip r:embed="rId2" cstate="print">
+          <a:blip r:embed="rId2">
             <a:extLst>
               <a:ext uri="{28A0092B-C50C-407E-A947-70E740481C1C}">
                 <a14:useLocalDpi xmlns:a14="http://schemas.microsoft.com/office/drawing/2010/main" val="0"/>
@@ -7867,8 +7867,8 @@
         </p:blipFill>
         <p:spPr>
           <a:xfrm>
-            <a:off x="133518" y="1262917"/>
-            <a:ext cx="12058482" cy="5004718"/>
+            <a:off x="353680" y="1076312"/>
+            <a:ext cx="11608911" cy="4818461"/>
           </a:xfrm>
           <a:prstGeom prst="rect">
             <a:avLst/>
@@ -8017,7 +8017,7 @@
         </p:nvSpPr>
         <p:spPr>
           <a:xfrm>
-            <a:off x="1463749" y="1935423"/>
+            <a:off x="1579159" y="1855524"/>
             <a:ext cx="9594112" cy="3416320"/>
           </a:xfrm>
           <a:prstGeom prst="rect">
